--- a/_PowerPoints/2nd Semester/Unit 9 ACT/PreCalc_Day_065 ACT Final Day.pptx
+++ b/_PowerPoints/2nd Semester/Unit 9 ACT/PreCalc_Day_065 ACT Final Day.pptx
@@ -5,13 +5,15 @@
     <p:sldMasterId id="2147483648" r:id="rId1"/>
   </p:sldMasterIdLst>
   <p:handoutMasterIdLst>
-    <p:handoutMasterId r:id="rId6"/>
+    <p:handoutMasterId r:id="rId8"/>
   </p:handoutMasterIdLst>
   <p:sldIdLst>
     <p:sldId id="263" r:id="rId2"/>
-    <p:sldId id="282" r:id="rId3"/>
-    <p:sldId id="308" r:id="rId4"/>
-    <p:sldId id="306" r:id="rId5"/>
+    <p:sldId id="309" r:id="rId3"/>
+    <p:sldId id="310" r:id="rId4"/>
+    <p:sldId id="282" r:id="rId5"/>
+    <p:sldId id="308" r:id="rId6"/>
+    <p:sldId id="306" r:id="rId7"/>
   </p:sldIdLst>
   <p:sldSz cx="12192000" cy="6858000"/>
   <p:notesSz cx="7010400" cy="9296400"/>
@@ -200,7 +202,7 @@
           <a:p>
             <a:fld id="{FAC4242D-6570-4D26-878C-5DE8AD62D39F}" type="datetimeFigureOut">
               <a:rPr lang="en-US" smtClean="0"/>
-              <a:t>3/28/2018</a:t>
+              <a:t>3/29/2018</a:t>
             </a:fld>
             <a:endParaRPr lang="en-US"/>
           </a:p>
@@ -453,7 +455,7 @@
             <a:fld id="{87DE6118-2437-4B30-8E3C-4D2BE6020583}" type="datetimeFigureOut">
               <a:rPr lang="en-US" dirty="0"/>
               <a:pPr/>
-              <a:t>3/28/2018</a:t>
+              <a:t>3/29/2018</a:t>
             </a:fld>
             <a:endParaRPr lang="en-US" dirty="0"/>
           </a:p>
@@ -779,7 +781,7 @@
           <a:p>
             <a:fld id="{87DE6118-2437-4B30-8E3C-4D2BE6020583}" type="datetimeFigureOut">
               <a:rPr lang="en-US" dirty="0"/>
-              <a:t>3/28/2018</a:t>
+              <a:t>3/29/2018</a:t>
             </a:fld>
             <a:endParaRPr lang="en-US" dirty="0"/>
           </a:p>
@@ -954,7 +956,7 @@
           <a:p>
             <a:fld id="{87DE6118-2437-4B30-8E3C-4D2BE6020583}" type="datetimeFigureOut">
               <a:rPr lang="en-US" dirty="0"/>
-              <a:t>3/28/2018</a:t>
+              <a:t>3/29/2018</a:t>
             </a:fld>
             <a:endParaRPr lang="en-US" dirty="0"/>
           </a:p>
@@ -1119,7 +1121,7 @@
           <a:p>
             <a:fld id="{87DE6118-2437-4B30-8E3C-4D2BE6020583}" type="datetimeFigureOut">
               <a:rPr lang="en-US" dirty="0"/>
-              <a:t>3/28/2018</a:t>
+              <a:t>3/29/2018</a:t>
             </a:fld>
             <a:endParaRPr lang="en-US" dirty="0"/>
           </a:p>
@@ -1392,7 +1394,7 @@
             <a:fld id="{87DE6118-2437-4B30-8E3C-4D2BE6020583}" type="datetimeFigureOut">
               <a:rPr lang="en-US" dirty="0"/>
               <a:pPr/>
-              <a:t>3/28/2018</a:t>
+              <a:t>3/29/2018</a:t>
             </a:fld>
             <a:endParaRPr lang="en-US" dirty="0"/>
           </a:p>
@@ -1782,7 +1784,7 @@
           <a:p>
             <a:fld id="{87DE6118-2437-4B30-8E3C-4D2BE6020583}" type="datetimeFigureOut">
               <a:rPr lang="en-US" dirty="0"/>
-              <a:t>3/28/2018</a:t>
+              <a:t>3/29/2018</a:t>
             </a:fld>
             <a:endParaRPr lang="en-US" dirty="0"/>
           </a:p>
@@ -2254,7 +2256,7 @@
           <a:p>
             <a:fld id="{87DE6118-2437-4B30-8E3C-4D2BE6020583}" type="datetimeFigureOut">
               <a:rPr lang="en-US" dirty="0"/>
-              <a:t>3/28/2018</a:t>
+              <a:t>3/29/2018</a:t>
             </a:fld>
             <a:endParaRPr lang="en-US" dirty="0"/>
           </a:p>
@@ -2367,7 +2369,7 @@
           <a:p>
             <a:fld id="{87DE6118-2437-4B30-8E3C-4D2BE6020583}" type="datetimeFigureOut">
               <a:rPr lang="en-US" dirty="0"/>
-              <a:t>3/28/2018</a:t>
+              <a:t>3/29/2018</a:t>
             </a:fld>
             <a:endParaRPr lang="en-US" dirty="0"/>
           </a:p>
@@ -2457,7 +2459,7 @@
           <a:p>
             <a:fld id="{87DE6118-2437-4B30-8E3C-4D2BE6020583}" type="datetimeFigureOut">
               <a:rPr lang="en-US" dirty="0"/>
-              <a:t>3/28/2018</a:t>
+              <a:t>3/29/2018</a:t>
             </a:fld>
             <a:endParaRPr lang="en-US" dirty="0"/>
           </a:p>
@@ -2799,7 +2801,7 @@
             <a:fld id="{87DE6118-2437-4B30-8E3C-4D2BE6020583}" type="datetimeFigureOut">
               <a:rPr lang="en-US" dirty="0"/>
               <a:pPr/>
-              <a:t>3/28/2018</a:t>
+              <a:t>3/29/2018</a:t>
             </a:fld>
             <a:endParaRPr lang="en-US" dirty="0"/>
           </a:p>
@@ -3184,7 +3186,7 @@
             <a:fld id="{87DE6118-2437-4B30-8E3C-4D2BE6020583}" type="datetimeFigureOut">
               <a:rPr lang="en-US" dirty="0"/>
               <a:pPr/>
-              <a:t>3/28/2018</a:t>
+              <a:t>3/29/2018</a:t>
             </a:fld>
             <a:endParaRPr lang="en-US" dirty="0"/>
           </a:p>
@@ -3459,7 +3461,7 @@
             <a:fld id="{87DE6118-2437-4B30-8E3C-4D2BE6020583}" type="datetimeFigureOut">
               <a:rPr lang="en-US" dirty="0"/>
               <a:pPr/>
-              <a:t>3/28/2018</a:t>
+              <a:t>3/29/2018</a:t>
             </a:fld>
             <a:endParaRPr lang="en-US" dirty="0"/>
           </a:p>
@@ -4076,85 +4078,43 @@
           <a:bodyPr/>
           <a:lstStyle/>
           <a:p>
-            <a:r>
-              <a:rPr lang="en-US" dirty="0"/>
-              <a:t>ACT DAY </a:t>
-            </a:r>
-            <a:r>
-              <a:rPr lang="en-US" dirty="0" smtClean="0"/>
-              <a:t>5</a:t>
-            </a:r>
-            <a:endParaRPr lang="en-US" dirty="0"/>
-          </a:p>
-        </p:txBody>
-      </p:sp>
-      <p:sp>
-        <p:nvSpPr>
-          <p:cNvPr id="3" name="Content Placeholder 2"/>
-          <p:cNvSpPr>
-            <a:spLocks noGrp="1"/>
-          </p:cNvSpPr>
+            <a:endParaRPr lang="en-US"/>
+          </a:p>
+        </p:txBody>
+      </p:sp>
+      <p:pic>
+        <p:nvPicPr>
+          <p:cNvPr id="5" name="Content Placeholder 4"/>
+          <p:cNvPicPr>
+            <a:picLocks noGrp="1" noChangeAspect="1"/>
+          </p:cNvPicPr>
           <p:nvPr>
             <p:ph idx="1"/>
           </p:nvPr>
-        </p:nvSpPr>
+        </p:nvPicPr>
+        <p:blipFill>
+          <a:blip r:embed="rId2">
+            <a:extLst>
+              <a:ext uri="{28A0092B-C50C-407E-A947-70E740481C1C}">
+                <a14:useLocalDpi xmlns:a14="http://schemas.microsoft.com/office/drawing/2010/main" val="0"/>
+              </a:ext>
+            </a:extLst>
+          </a:blip>
+          <a:stretch>
+            <a:fillRect/>
+          </a:stretch>
+        </p:blipFill>
         <p:spPr>
           <a:xfrm>
-            <a:off x="1371600" y="1608463"/>
-            <a:ext cx="9601200" cy="5249537"/>
-          </a:xfrm>
-        </p:spPr>
-        <p:txBody>
-          <a:bodyPr>
-            <a:normAutofit/>
-          </a:bodyPr>
-          <a:lstStyle/>
-          <a:p>
-            <a:pPr marL="0" indent="0">
-              <a:buNone/>
-            </a:pPr>
-            <a:r>
-              <a:rPr lang="en-US" sz="3400" dirty="0" smtClean="0"/>
-              <a:t>Did you grade the full ACT test we took last time?</a:t>
-            </a:r>
-          </a:p>
-          <a:p>
-            <a:pPr marL="0" indent="0">
-              <a:buNone/>
-            </a:pPr>
-            <a:endParaRPr lang="en-US" sz="3400" dirty="0"/>
-          </a:p>
-          <a:p>
-            <a:pPr marL="0" indent="0">
-              <a:buNone/>
-            </a:pPr>
-            <a:r>
-              <a:rPr lang="en-US" sz="3400" dirty="0" smtClean="0"/>
-              <a:t>What questions do you have from the full ACT, the abbreviated ACT, and/or the mini ACT? </a:t>
-            </a:r>
-          </a:p>
-          <a:p>
-            <a:pPr marL="0" indent="0">
-              <a:buNone/>
-            </a:pPr>
-            <a:endParaRPr lang="en-US" sz="3400" dirty="0"/>
-          </a:p>
-          <a:p>
-            <a:pPr marL="0" indent="0">
-              <a:buNone/>
-            </a:pPr>
-            <a:r>
-              <a:rPr lang="en-US" sz="3400" dirty="0" smtClean="0"/>
-              <a:t>What general questions do you have about the ACT next week?</a:t>
-            </a:r>
-            <a:endParaRPr lang="en-US" sz="3400" dirty="0"/>
-          </a:p>
-        </p:txBody>
-      </p:sp>
+            <a:off x="1371600" y="0"/>
+            <a:ext cx="10027920" cy="12173318"/>
+          </a:xfrm>
+        </p:spPr>
+      </p:pic>
     </p:spTree>
     <p:extLst>
       <p:ext uri="{BB962C8B-B14F-4D97-AF65-F5344CB8AC3E}">
-        <p14:creationId xmlns:p14="http://schemas.microsoft.com/office/powerpoint/2010/main" val="590035008"/>
+        <p14:creationId xmlns:p14="http://schemas.microsoft.com/office/powerpoint/2010/main" val="1290666847"/>
       </p:ext>
     </p:extLst>
   </p:cSld>
@@ -4190,107 +4150,192 @@
       </p:grpSpPr>
       <p:sp>
         <p:nvSpPr>
-          <p:cNvPr id="2" name="Title 1">
+          <p:cNvPr id="2" name="Title 1"/>
+          <p:cNvSpPr>
+            <a:spLocks noGrp="1"/>
+          </p:cNvSpPr>
+          <p:nvPr>
+            <p:ph type="title"/>
+          </p:nvPr>
+        </p:nvSpPr>
+        <p:spPr/>
+        <p:txBody>
+          <a:bodyPr/>
+          <a:lstStyle/>
+          <a:p>
+            <a:endParaRPr lang="en-US"/>
+          </a:p>
+        </p:txBody>
+      </p:sp>
+      <p:pic>
+        <p:nvPicPr>
+          <p:cNvPr id="5" name="Content Placeholder 4"/>
+          <p:cNvPicPr>
+            <a:picLocks noGrp="1" noChangeAspect="1"/>
+          </p:cNvPicPr>
+          <p:nvPr>
+            <p:ph idx="1"/>
+          </p:nvPr>
+        </p:nvPicPr>
+        <p:blipFill>
+          <a:blip r:embed="rId2">
             <a:extLst>
-              <a:ext uri="{FF2B5EF4-FFF2-40B4-BE49-F238E27FC236}">
-                <a16:creationId xmlns="" xmlns:a16="http://schemas.microsoft.com/office/drawing/2014/main" id="{C7ECC27D-6347-124B-8464-307B679FD76B}"/>
+              <a:ext uri="{28A0092B-C50C-407E-A947-70E740481C1C}">
+                <a14:useLocalDpi xmlns:a14="http://schemas.microsoft.com/office/drawing/2010/main" val="0"/>
               </a:ext>
             </a:extLst>
-          </p:cNvPr>
-          <p:cNvSpPr>
-            <a:spLocks noGrp="1"/>
-          </p:cNvSpPr>
-          <p:nvPr>
-            <p:ph type="title"/>
-          </p:nvPr>
-        </p:nvSpPr>
-        <p:spPr/>
-        <p:txBody>
-          <a:bodyPr/>
-          <a:lstStyle/>
-          <a:p>
-            <a:r>
-              <a:rPr lang="en-US" dirty="0"/>
-              <a:t>Collect all of your practice tests in one place… you should have the following:</a:t>
-            </a:r>
-          </a:p>
-        </p:txBody>
-      </p:sp>
-      <p:sp>
-        <p:nvSpPr>
-          <p:cNvPr id="3" name="Content Placeholder 2">
-            <a:extLst>
-              <a:ext uri="{FF2B5EF4-FFF2-40B4-BE49-F238E27FC236}">
-                <a16:creationId xmlns="" xmlns:a16="http://schemas.microsoft.com/office/drawing/2014/main" id="{FE48CA5A-EB67-A84E-ACF6-EC19FD447B38}"/>
-              </a:ext>
-            </a:extLst>
-          </p:cNvPr>
-          <p:cNvSpPr>
-            <a:spLocks noGrp="1"/>
-          </p:cNvSpPr>
-          <p:nvPr>
-            <p:ph idx="1"/>
-          </p:nvPr>
-        </p:nvSpPr>
-        <p:spPr/>
-        <p:txBody>
-          <a:bodyPr>
-            <a:normAutofit/>
+          </a:blip>
+          <a:stretch>
+            <a:fillRect/>
+          </a:stretch>
+        </p:blipFill>
+        <p:spPr>
+          <a:xfrm>
+            <a:off x="1371600" y="-5315318"/>
+            <a:ext cx="10027920" cy="12173318"/>
+          </a:xfrm>
+        </p:spPr>
+      </p:pic>
+      <p:sp>
+        <p:nvSpPr>
+          <p:cNvPr id="3" name="TextBox 2"/>
+          <p:cNvSpPr txBox="1"/>
+          <p:nvPr/>
+        </p:nvSpPr>
+        <p:spPr>
+          <a:xfrm rot="16200000">
+            <a:off x="518821" y="2978061"/>
+            <a:ext cx="6529137" cy="861774"/>
+          </a:xfrm>
+          <a:prstGeom prst="rect">
+            <a:avLst/>
+          </a:prstGeom>
+          <a:solidFill>
+            <a:schemeClr val="accent1"/>
+          </a:solidFill>
+        </p:spPr>
+        <p:txBody>
+          <a:bodyPr wrap="square" rtlCol="0">
+            <a:spAutoFit/>
           </a:bodyPr>
           <a:lstStyle/>
           <a:p>
-            <a:r>
-              <a:rPr lang="en-US" sz="3000" dirty="0" smtClean="0"/>
-              <a:t>2 - 4 </a:t>
-            </a:r>
-            <a:r>
-              <a:rPr lang="en-US" sz="3000" dirty="0"/>
-              <a:t>mini tests </a:t>
-            </a:r>
-            <a:r>
-              <a:rPr lang="en-US" sz="3000" dirty="0" smtClean="0"/>
-              <a:t>(I’ll be looking for at least 2)</a:t>
-            </a:r>
-            <a:endParaRPr lang="en-US" sz="3000" dirty="0"/>
-          </a:p>
-          <a:p>
-            <a:r>
-              <a:rPr lang="en-US" sz="3000" dirty="0"/>
-              <a:t>An abbreviated test </a:t>
-            </a:r>
-          </a:p>
-          <a:p>
-            <a:r>
-              <a:rPr lang="en-US" sz="3000" dirty="0"/>
-              <a:t>A full ACT </a:t>
-            </a:r>
-            <a:r>
-              <a:rPr lang="en-US" sz="3000" dirty="0" smtClean="0"/>
-              <a:t>booklet</a:t>
-            </a:r>
-            <a:endParaRPr lang="en-US" sz="3000" dirty="0"/>
-          </a:p>
-          <a:p>
-            <a:endParaRPr lang="en-US" sz="3000" dirty="0"/>
-          </a:p>
-          <a:p>
-            <a:r>
-              <a:rPr lang="en-US" sz="3000" dirty="0"/>
-              <a:t>We will be turning them all in at the start of next week</a:t>
-            </a:r>
+            <a:pPr algn="ctr"/>
+            <a:r>
+              <a:rPr lang="en-US" sz="5000" dirty="0" smtClean="0">
+                <a:solidFill>
+                  <a:srgbClr val="FFFF00"/>
+                </a:solidFill>
+              </a:rPr>
+              <a:t>English</a:t>
+            </a:r>
+            <a:endParaRPr lang="en-US" sz="5000" dirty="0">
+              <a:solidFill>
+                <a:srgbClr val="FFFF00"/>
+              </a:solidFill>
+            </a:endParaRPr>
+          </a:p>
+        </p:txBody>
+      </p:sp>
+      <p:sp>
+        <p:nvSpPr>
+          <p:cNvPr id="6" name="TextBox 5"/>
+          <p:cNvSpPr txBox="1"/>
+          <p:nvPr/>
+        </p:nvSpPr>
+        <p:spPr>
+          <a:xfrm rot="16200000">
+            <a:off x="3898083" y="2978060"/>
+            <a:ext cx="6529136" cy="861774"/>
+          </a:xfrm>
+          <a:prstGeom prst="rect">
+            <a:avLst/>
+          </a:prstGeom>
+          <a:solidFill>
+            <a:schemeClr val="accent1"/>
+          </a:solidFill>
+        </p:spPr>
+        <p:txBody>
+          <a:bodyPr wrap="square" rtlCol="0">
+            <a:spAutoFit/>
+          </a:bodyPr>
+          <a:lstStyle/>
+          <a:p>
+            <a:pPr algn="ctr"/>
+            <a:r>
+              <a:rPr lang="en-US" sz="5000" dirty="0" smtClean="0">
+                <a:solidFill>
+                  <a:srgbClr val="FFFF00"/>
+                </a:solidFill>
+              </a:rPr>
+              <a:t>Reading</a:t>
+            </a:r>
+            <a:endParaRPr lang="en-US" sz="5000" dirty="0">
+              <a:solidFill>
+                <a:srgbClr val="FFFF00"/>
+              </a:solidFill>
+            </a:endParaRPr>
+          </a:p>
+        </p:txBody>
+      </p:sp>
+      <p:sp>
+        <p:nvSpPr>
+          <p:cNvPr id="7" name="TextBox 6"/>
+          <p:cNvSpPr txBox="1"/>
+          <p:nvPr/>
+        </p:nvSpPr>
+        <p:spPr>
+          <a:xfrm rot="16200000">
+            <a:off x="5587713" y="2978060"/>
+            <a:ext cx="6529137" cy="861774"/>
+          </a:xfrm>
+          <a:prstGeom prst="rect">
+            <a:avLst/>
+          </a:prstGeom>
+          <a:solidFill>
+            <a:schemeClr val="accent1"/>
+          </a:solidFill>
+        </p:spPr>
+        <p:txBody>
+          <a:bodyPr wrap="square" rtlCol="0">
+            <a:spAutoFit/>
+          </a:bodyPr>
+          <a:lstStyle/>
+          <a:p>
+            <a:pPr algn="ctr"/>
+            <a:r>
+              <a:rPr lang="en-US" sz="5000" dirty="0" smtClean="0">
+                <a:solidFill>
+                  <a:srgbClr val="FFFF00"/>
+                </a:solidFill>
+              </a:rPr>
+              <a:t>Science</a:t>
+            </a:r>
+            <a:endParaRPr lang="en-US" sz="5000" dirty="0">
+              <a:solidFill>
+                <a:srgbClr val="FFFF00"/>
+              </a:solidFill>
+            </a:endParaRPr>
           </a:p>
         </p:txBody>
       </p:sp>
     </p:spTree>
     <p:extLst>
       <p:ext uri="{BB962C8B-B14F-4D97-AF65-F5344CB8AC3E}">
-        <p14:creationId xmlns:p14="http://schemas.microsoft.com/office/powerpoint/2010/main" val="346456236"/>
+        <p14:creationId xmlns:p14="http://schemas.microsoft.com/office/powerpoint/2010/main" val="1029028435"/>
       </p:ext>
     </p:extLst>
   </p:cSld>
   <p:clrMapOvr>
     <a:masterClrMapping/>
   </p:clrMapOvr>
+  <p:timing>
+    <p:tnLst>
+      <p:par>
+        <p:cTn id="1" dur="indefinite" restart="never" nodeType="tmRoot"/>
+      </p:par>
+    </p:tnLst>
+  </p:timing>
 </p:sld>
 </file>
 
@@ -4313,10 +4358,137 @@
       </p:grpSpPr>
       <p:sp>
         <p:nvSpPr>
+          <p:cNvPr id="2" name="Title 1"/>
+          <p:cNvSpPr>
+            <a:spLocks noGrp="1"/>
+          </p:cNvSpPr>
+          <p:nvPr>
+            <p:ph type="title"/>
+          </p:nvPr>
+        </p:nvSpPr>
+        <p:spPr/>
+        <p:txBody>
+          <a:bodyPr/>
+          <a:lstStyle/>
+          <a:p>
+            <a:r>
+              <a:rPr lang="en-US" dirty="0"/>
+              <a:t>ACT DAY </a:t>
+            </a:r>
+            <a:r>
+              <a:rPr lang="en-US" dirty="0" smtClean="0"/>
+              <a:t>5</a:t>
+            </a:r>
+            <a:endParaRPr lang="en-US" dirty="0"/>
+          </a:p>
+        </p:txBody>
+      </p:sp>
+      <p:sp>
+        <p:nvSpPr>
+          <p:cNvPr id="3" name="Content Placeholder 2"/>
+          <p:cNvSpPr>
+            <a:spLocks noGrp="1"/>
+          </p:cNvSpPr>
+          <p:nvPr>
+            <p:ph idx="1"/>
+          </p:nvPr>
+        </p:nvSpPr>
+        <p:spPr>
+          <a:xfrm>
+            <a:off x="1371600" y="1608463"/>
+            <a:ext cx="9601200" cy="5249537"/>
+          </a:xfrm>
+        </p:spPr>
+        <p:txBody>
+          <a:bodyPr>
+            <a:normAutofit/>
+          </a:bodyPr>
+          <a:lstStyle/>
+          <a:p>
+            <a:pPr marL="0" indent="0">
+              <a:buNone/>
+            </a:pPr>
+            <a:r>
+              <a:rPr lang="en-US" sz="3400" dirty="0" smtClean="0"/>
+              <a:t>Did you grade the full ACT test we took last time?</a:t>
+            </a:r>
+          </a:p>
+          <a:p>
+            <a:pPr marL="0" indent="0">
+              <a:buNone/>
+            </a:pPr>
+            <a:endParaRPr lang="en-US" sz="3400" dirty="0"/>
+          </a:p>
+          <a:p>
+            <a:pPr marL="0" indent="0">
+              <a:buNone/>
+            </a:pPr>
+            <a:r>
+              <a:rPr lang="en-US" sz="3400" dirty="0" smtClean="0"/>
+              <a:t>What questions do you have from the full ACT, the abbreviated ACT, and/or the mini ACT? </a:t>
+            </a:r>
+          </a:p>
+          <a:p>
+            <a:pPr marL="0" indent="0">
+              <a:buNone/>
+            </a:pPr>
+            <a:endParaRPr lang="en-US" sz="3400" dirty="0"/>
+          </a:p>
+          <a:p>
+            <a:pPr marL="0" indent="0">
+              <a:buNone/>
+            </a:pPr>
+            <a:r>
+              <a:rPr lang="en-US" sz="3400" dirty="0" smtClean="0"/>
+              <a:t>What general questions do you have about the ACT next week?</a:t>
+            </a:r>
+            <a:endParaRPr lang="en-US" sz="3400" dirty="0"/>
+          </a:p>
+        </p:txBody>
+      </p:sp>
+    </p:spTree>
+    <p:extLst>
+      <p:ext uri="{BB962C8B-B14F-4D97-AF65-F5344CB8AC3E}">
+        <p14:creationId xmlns:p14="http://schemas.microsoft.com/office/powerpoint/2010/main" val="590035008"/>
+      </p:ext>
+    </p:extLst>
+  </p:cSld>
+  <p:clrMapOvr>
+    <a:masterClrMapping/>
+  </p:clrMapOvr>
+  <p:timing>
+    <p:tnLst>
+      <p:par>
+        <p:cTn id="1" dur="indefinite" restart="never" nodeType="tmRoot"/>
+      </p:par>
+    </p:tnLst>
+  </p:timing>
+</p:sld>
+</file>
+
+<file path=ppt/slides/slide5.xml><?xml version="1.0" encoding="utf-8"?>
+<p:sld xmlns:a="http://schemas.openxmlformats.org/drawingml/2006/main" xmlns:r="http://schemas.openxmlformats.org/officeDocument/2006/relationships" xmlns:p="http://schemas.openxmlformats.org/presentationml/2006/main">
+  <p:cSld>
+    <p:spTree>
+      <p:nvGrpSpPr>
+        <p:cNvPr id="1" name=""/>
+        <p:cNvGrpSpPr/>
+        <p:nvPr/>
+      </p:nvGrpSpPr>
+      <p:grpSpPr>
+        <a:xfrm>
+          <a:off x="0" y="0"/>
+          <a:ext cx="0" cy="0"/>
+          <a:chOff x="0" y="0"/>
+          <a:chExt cx="0" cy="0"/>
+        </a:xfrm>
+      </p:grpSpPr>
+      <p:sp>
+        <p:nvSpPr>
           <p:cNvPr id="2" name="Title 1">
             <a:extLst>
               <a:ext uri="{FF2B5EF4-FFF2-40B4-BE49-F238E27FC236}">
-                <a16:creationId xmlns="" xmlns:a16="http://schemas.microsoft.com/office/drawing/2014/main" id="{24548EDD-FC1A-534A-ACDA-861D625ADA11}"/>
+                <a16:creationId xmlns:a16="http://schemas.microsoft.com/office/drawing/2014/main" xmlns="" id="{C7ECC27D-6347-124B-8464-307B679FD76B}"/>
               </a:ext>
             </a:extLst>
           </p:cNvPr>
@@ -4334,19 +4506,7 @@
           <a:p>
             <a:r>
               <a:rPr lang="en-US" dirty="0"/>
-              <a:t>The last </a:t>
-            </a:r>
-            <a:r>
-              <a:rPr lang="en-US" dirty="0" smtClean="0"/>
-              <a:t>10</a:t>
-            </a:r>
-            <a:r>
-              <a:rPr lang="en-US" dirty="0" smtClean="0"/>
-              <a:t> </a:t>
-            </a:r>
-            <a:r>
-              <a:rPr lang="en-US" dirty="0"/>
-              <a:t>– 20 minutes of class</a:t>
+              <a:t>Collect all of your practice tests in one place… you should have the following:</a:t>
             </a:r>
           </a:p>
         </p:txBody>
@@ -4356,7 +4516,138 @@
           <p:cNvPr id="3" name="Content Placeholder 2">
             <a:extLst>
               <a:ext uri="{FF2B5EF4-FFF2-40B4-BE49-F238E27FC236}">
-                <a16:creationId xmlns="" xmlns:a16="http://schemas.microsoft.com/office/drawing/2014/main" id="{DE861AE3-4BB7-4340-B3B2-35DA0AC60FF8}"/>
+                <a16:creationId xmlns:a16="http://schemas.microsoft.com/office/drawing/2014/main" xmlns="" id="{FE48CA5A-EB67-A84E-ACF6-EC19FD447B38}"/>
+              </a:ext>
+            </a:extLst>
+          </p:cNvPr>
+          <p:cNvSpPr>
+            <a:spLocks noGrp="1"/>
+          </p:cNvSpPr>
+          <p:nvPr>
+            <p:ph idx="1"/>
+          </p:nvPr>
+        </p:nvSpPr>
+        <p:spPr/>
+        <p:txBody>
+          <a:bodyPr>
+            <a:normAutofit/>
+          </a:bodyPr>
+          <a:lstStyle/>
+          <a:p>
+            <a:r>
+              <a:rPr lang="en-US" sz="3000" dirty="0" smtClean="0"/>
+              <a:t>2 - 4 </a:t>
+            </a:r>
+            <a:r>
+              <a:rPr lang="en-US" sz="3000" dirty="0"/>
+              <a:t>mini tests </a:t>
+            </a:r>
+            <a:r>
+              <a:rPr lang="en-US" sz="3000" dirty="0" smtClean="0"/>
+              <a:t>(I’ll be looking for at least 2)</a:t>
+            </a:r>
+            <a:endParaRPr lang="en-US" sz="3000" dirty="0"/>
+          </a:p>
+          <a:p>
+            <a:r>
+              <a:rPr lang="en-US" sz="3000" dirty="0"/>
+              <a:t>An abbreviated test </a:t>
+            </a:r>
+          </a:p>
+          <a:p>
+            <a:r>
+              <a:rPr lang="en-US" sz="3000" dirty="0"/>
+              <a:t>A full ACT </a:t>
+            </a:r>
+            <a:r>
+              <a:rPr lang="en-US" sz="3000" dirty="0" smtClean="0"/>
+              <a:t>booklet</a:t>
+            </a:r>
+            <a:endParaRPr lang="en-US" sz="3000" dirty="0"/>
+          </a:p>
+          <a:p>
+            <a:endParaRPr lang="en-US" sz="3000" dirty="0"/>
+          </a:p>
+          <a:p>
+            <a:r>
+              <a:rPr lang="en-US" sz="3000" dirty="0"/>
+              <a:t>We will be turning them all in at the start of next week</a:t>
+            </a:r>
+          </a:p>
+        </p:txBody>
+      </p:sp>
+    </p:spTree>
+    <p:extLst>
+      <p:ext uri="{BB962C8B-B14F-4D97-AF65-F5344CB8AC3E}">
+        <p14:creationId xmlns:p14="http://schemas.microsoft.com/office/powerpoint/2010/main" val="346456236"/>
+      </p:ext>
+    </p:extLst>
+  </p:cSld>
+  <p:clrMapOvr>
+    <a:masterClrMapping/>
+  </p:clrMapOvr>
+</p:sld>
+</file>
+
+<file path=ppt/slides/slide6.xml><?xml version="1.0" encoding="utf-8"?>
+<p:sld xmlns:a="http://schemas.openxmlformats.org/drawingml/2006/main" xmlns:r="http://schemas.openxmlformats.org/officeDocument/2006/relationships" xmlns:p="http://schemas.openxmlformats.org/presentationml/2006/main">
+  <p:cSld>
+    <p:spTree>
+      <p:nvGrpSpPr>
+        <p:cNvPr id="1" name=""/>
+        <p:cNvGrpSpPr/>
+        <p:nvPr/>
+      </p:nvGrpSpPr>
+      <p:grpSpPr>
+        <a:xfrm>
+          <a:off x="0" y="0"/>
+          <a:ext cx="0" cy="0"/>
+          <a:chOff x="0" y="0"/>
+          <a:chExt cx="0" cy="0"/>
+        </a:xfrm>
+      </p:grpSpPr>
+      <p:sp>
+        <p:nvSpPr>
+          <p:cNvPr id="2" name="Title 1">
+            <a:extLst>
+              <a:ext uri="{FF2B5EF4-FFF2-40B4-BE49-F238E27FC236}">
+                <a16:creationId xmlns:a16="http://schemas.microsoft.com/office/drawing/2014/main" xmlns="" id="{24548EDD-FC1A-534A-ACDA-861D625ADA11}"/>
+              </a:ext>
+            </a:extLst>
+          </p:cNvPr>
+          <p:cNvSpPr>
+            <a:spLocks noGrp="1"/>
+          </p:cNvSpPr>
+          <p:nvPr>
+            <p:ph type="title"/>
+          </p:nvPr>
+        </p:nvSpPr>
+        <p:spPr/>
+        <p:txBody>
+          <a:bodyPr/>
+          <a:lstStyle/>
+          <a:p>
+            <a:r>
+              <a:rPr lang="en-US" dirty="0"/>
+              <a:t>The last </a:t>
+            </a:r>
+            <a:r>
+              <a:rPr lang="en-US" dirty="0" smtClean="0"/>
+              <a:t>10 </a:t>
+            </a:r>
+            <a:r>
+              <a:rPr lang="en-US" dirty="0"/>
+              <a:t>– 20 minutes of class</a:t>
+            </a:r>
+          </a:p>
+        </p:txBody>
+      </p:sp>
+      <p:sp>
+        <p:nvSpPr>
+          <p:cNvPr id="3" name="Content Placeholder 2">
+            <a:extLst>
+              <a:ext uri="{FF2B5EF4-FFF2-40B4-BE49-F238E27FC236}">
+                <a16:creationId xmlns:a16="http://schemas.microsoft.com/office/drawing/2014/main" xmlns="" id="{DE861AE3-4BB7-4340-B3B2-35DA0AC60FF8}"/>
               </a:ext>
             </a:extLst>
           </p:cNvPr>
